--- a/CV-Jiajun Hu.pptx
+++ b/CV-Jiajun Hu.pptx
@@ -235,7 +235,7 @@
           <a:p>
             <a:fld id="{59E6CCEB-4FF3-4851-8341-1E0C9DA699E7}" type="datetimeFigureOut">
               <a:rPr lang="zh-CN" altLang="en-US" smtClean="0"/>
-              <a:t>2020/9/20</a:t>
+              <a:t>2020/10/10</a:t>
             </a:fld>
             <a:endParaRPr lang="zh-CN" altLang="en-US"/>
           </a:p>
@@ -693,7 +693,7 @@
           <a:p>
             <a:fld id="{C16525B2-4347-4F72-BAF7-76B19438D329}" type="datetimeFigureOut">
               <a:rPr lang="en-US" smtClean="0"/>
-              <a:t>9/20/2020</a:t>
+              <a:t>10/10/2020</a:t>
             </a:fld>
             <a:endParaRPr lang="en-US"/>
           </a:p>
@@ -916,7 +916,7 @@
           <a:p>
             <a:fld id="{1D8BD707-D9CF-40AE-B4C6-C98DA3205C09}" type="datetimeFigureOut">
               <a:rPr lang="en-US"/>
-              <a:t>9/20/2020</a:t>
+              <a:t>10/10/2020</a:t>
             </a:fld>
             <a:endParaRPr lang="en-US"/>
           </a:p>
@@ -1253,8 +1253,8 @@
         </p:nvSpPr>
         <p:spPr>
           <a:xfrm>
-            <a:off x="1800686" y="1109296"/>
-            <a:ext cx="4545106" cy="146450"/>
+            <a:off x="1800686" y="1043085"/>
+            <a:ext cx="4821818" cy="146450"/>
           </a:xfrm>
           <a:prstGeom prst="rect">
             <a:avLst/>
@@ -1342,14 +1342,20 @@
               <a:t> </a:t>
             </a:r>
             <a:r>
-              <a:rPr sz="1200" dirty="0">
+              <a:rPr lang="en-US" sz="1200" spc="243" dirty="0">
                 <a:solidFill>
                   <a:srgbClr val="000000"/>
                 </a:solidFill>
-                <a:cs typeface="GDEKIB+CMR10"/>
+                <a:cs typeface="Times New Roman"/>
               </a:rPr>
-              <a:t>XX</a:t>
-            </a:r>
+              <a:t>Max-H-JJ</a:t>
+            </a:r>
+            <a:endParaRPr sz="1200" dirty="0">
+              <a:solidFill>
+                <a:srgbClr val="000000"/>
+              </a:solidFill>
+              <a:cs typeface="GDEKIB+CMR10"/>
+            </a:endParaRPr>
           </a:p>
         </p:txBody>
       </p:sp>
@@ -1735,7 +1741,7 @@
         </p:nvSpPr>
         <p:spPr>
           <a:xfrm>
-            <a:off x="681896" y="3100930"/>
+            <a:off x="720001" y="3134261"/>
             <a:ext cx="6516672" cy="1178849"/>
           </a:xfrm>
           <a:prstGeom prst="rect">
@@ -2394,7 +2400,7 @@
             </a:pPr>
             <a:r>
               <a:rPr lang="en-US" altLang="zh-CN" sz="900" dirty="0"/>
-              <a:t>Interacting with a certain processing FPGA in Cloud Server for data acquisition and transmission</a:t>
+              <a:t>Apply High-Level-Synthesis and C/C++ interaction in FPGA for hardware Machine Learning acceleration</a:t>
             </a:r>
           </a:p>
         </p:txBody>
@@ -2528,7 +2534,7 @@
                 <a:latin typeface="Baskerville Old Face" panose="02020602080505020303" pitchFamily="18" charset="0"/>
                 <a:cs typeface="KGAMSU+CMBX10"/>
               </a:rPr>
-              <a:t> MODULE</a:t>
+              <a:t> MODULEs</a:t>
             </a:r>
             <a:endParaRPr sz="1100" dirty="0">
               <a:solidFill>
@@ -2569,7 +2575,7 @@
           <a:lstStyle/>
           <a:p>
             <a:r>
-              <a:rPr lang="en-US" altLang="zh-CN" sz="1100" b="1" dirty="0"/>
+              <a:rPr lang="en-US" altLang="zh-CN" sz="1200" b="1" dirty="0"/>
               <a:t>Mathematic Modules:</a:t>
             </a:r>
           </a:p>
@@ -2694,7 +2700,7 @@
         <p:spPr>
           <a:xfrm>
             <a:off x="472624" y="433388"/>
-            <a:ext cx="6509920" cy="1508105"/>
+            <a:ext cx="6509920" cy="1554272"/>
           </a:xfrm>
           <a:prstGeom prst="rect">
             <a:avLst/>
@@ -2708,7 +2714,7 @@
           <a:lstStyle/>
           <a:p>
             <a:r>
-              <a:rPr lang="en-US" altLang="zh-CN" sz="1100" b="1" dirty="0"/>
+              <a:rPr lang="en-US" altLang="zh-CN" sz="1200" b="1" dirty="0"/>
               <a:t>Electrical Module:</a:t>
             </a:r>
           </a:p>
@@ -2880,7 +2886,7 @@
         <p:spPr>
           <a:xfrm>
             <a:off x="472624" y="1864911"/>
-            <a:ext cx="6725944" cy="1508105"/>
+            <a:ext cx="6725944" cy="1554272"/>
           </a:xfrm>
           <a:prstGeom prst="rect">
             <a:avLst/>
@@ -2894,7 +2900,7 @@
           <a:lstStyle/>
           <a:p>
             <a:r>
-              <a:rPr lang="en-US" altLang="zh-CN" sz="1100" b="1" dirty="0"/>
+              <a:rPr lang="en-US" altLang="zh-CN" sz="1200" b="1" dirty="0"/>
               <a:t>Electronic Module:</a:t>
             </a:r>
           </a:p>
@@ -3089,6 +3095,455 @@
               <a:latin typeface="GDEKIB+CMR10"/>
               <a:cs typeface="GDEKIB+CMR10"/>
             </a:endParaRPr>
+          </a:p>
+        </p:txBody>
+      </p:sp>
+      <p:sp>
+        <p:nvSpPr>
+          <p:cNvPr id="2" name="文本框 1">
+            <a:extLst>
+              <a:ext uri="{FF2B5EF4-FFF2-40B4-BE49-F238E27FC236}">
+                <a16:creationId xmlns:a16="http://schemas.microsoft.com/office/drawing/2014/main" id="{A6BD2E78-6343-4022-90B0-7E3CAD0EA711}"/>
+              </a:ext>
+            </a:extLst>
+          </p:cNvPr>
+          <p:cNvSpPr txBox="1"/>
+          <p:nvPr/>
+        </p:nvSpPr>
+        <p:spPr>
+          <a:xfrm>
+            <a:off x="472624" y="3667968"/>
+            <a:ext cx="5039707" cy="369332"/>
+          </a:xfrm>
+          <a:prstGeom prst="rect">
+            <a:avLst/>
+          </a:prstGeom>
+          <a:noFill/>
+        </p:spPr>
+        <p:txBody>
+          <a:bodyPr wrap="square">
+            <a:spAutoFit/>
+          </a:bodyPr>
+          <a:lstStyle/>
+          <a:p>
+            <a:r>
+              <a:rPr lang="en-US" altLang="zh-CN" sz="900" b="1" dirty="0"/>
+              <a:t>Solid Academic English Abilities</a:t>
+            </a:r>
+            <a:r>
+              <a:rPr lang="en-US" altLang="zh-CN" sz="900" dirty="0"/>
+              <a:t>			2020/9/30</a:t>
+            </a:r>
+            <a:endParaRPr lang="en-US" altLang="zh-CN" sz="900" b="1" dirty="0"/>
+          </a:p>
+          <a:p>
+            <a:r>
+              <a:rPr lang="en-US" altLang="zh-CN" sz="900" b="1" dirty="0"/>
+              <a:t>- </a:t>
+            </a:r>
+            <a:r>
+              <a:rPr lang="en-US" altLang="zh-CN" sz="900" dirty="0"/>
+              <a:t>IELTS  Test:  Listening 7.5   Reading 8    Speaking 6       Writing 6	Overall Band 7 </a:t>
+            </a:r>
+            <a:endParaRPr lang="zh-CN" altLang="en-US" sz="900" dirty="0"/>
+          </a:p>
+        </p:txBody>
+      </p:sp>
+      <p:sp>
+        <p:nvSpPr>
+          <p:cNvPr id="6" name="文本框 5">
+            <a:extLst>
+              <a:ext uri="{FF2B5EF4-FFF2-40B4-BE49-F238E27FC236}">
+                <a16:creationId xmlns:a16="http://schemas.microsoft.com/office/drawing/2014/main" id="{1318BE12-D7A3-45E7-BB74-6243AE714933}"/>
+              </a:ext>
+            </a:extLst>
+          </p:cNvPr>
+          <p:cNvSpPr txBox="1"/>
+          <p:nvPr/>
+        </p:nvSpPr>
+        <p:spPr>
+          <a:xfrm>
+            <a:off x="472622" y="3949080"/>
+            <a:ext cx="7278405" cy="507831"/>
+          </a:xfrm>
+          <a:prstGeom prst="rect">
+            <a:avLst/>
+          </a:prstGeom>
+          <a:noFill/>
+        </p:spPr>
+        <p:txBody>
+          <a:bodyPr wrap="square">
+            <a:spAutoFit/>
+          </a:bodyPr>
+          <a:lstStyle/>
+          <a:p>
+            <a:r>
+              <a:rPr lang="en-US" altLang="zh-CN" sz="900" b="1" dirty="0"/>
+              <a:t>Mathematic Tools</a:t>
+            </a:r>
+          </a:p>
+          <a:p>
+            <a:r>
+              <a:rPr lang="en-US" altLang="zh-CN" sz="900" b="1" dirty="0"/>
+              <a:t>- </a:t>
+            </a:r>
+            <a:r>
+              <a:rPr lang="en-US" altLang="zh-CN" sz="900" dirty="0"/>
+              <a:t>Linear Algebra     - Calculus    - ODEs &amp; PDEs      -Vector Calculus      - Signal Transform (Laplace, Fourier, Z- Transform)	 - Matrices		</a:t>
+            </a:r>
+          </a:p>
+        </p:txBody>
+      </p:sp>
+      <p:sp>
+        <p:nvSpPr>
+          <p:cNvPr id="8" name="文本框 7">
+            <a:extLst>
+              <a:ext uri="{FF2B5EF4-FFF2-40B4-BE49-F238E27FC236}">
+                <a16:creationId xmlns:a16="http://schemas.microsoft.com/office/drawing/2014/main" id="{0793BEB7-BDA1-44D3-8F93-5FB8BA5CABE1}"/>
+              </a:ext>
+            </a:extLst>
+          </p:cNvPr>
+          <p:cNvSpPr txBox="1"/>
+          <p:nvPr/>
+        </p:nvSpPr>
+        <p:spPr>
+          <a:xfrm>
+            <a:off x="472623" y="4237112"/>
+            <a:ext cx="7299777" cy="507831"/>
+          </a:xfrm>
+          <a:prstGeom prst="rect">
+            <a:avLst/>
+          </a:prstGeom>
+          <a:noFill/>
+        </p:spPr>
+        <p:txBody>
+          <a:bodyPr wrap="square">
+            <a:spAutoFit/>
+          </a:bodyPr>
+          <a:lstStyle/>
+          <a:p>
+            <a:r>
+              <a:rPr lang="en-US" altLang="zh-CN" sz="900" b="1" dirty="0"/>
+              <a:t>Electrical Engineering</a:t>
+            </a:r>
+          </a:p>
+          <a:p>
+            <a:r>
+              <a:rPr lang="en-US" altLang="zh-CN" sz="900" dirty="0"/>
+              <a:t>-Semiconductor Devices Operation (BJT, MOSFET)	- Control Theories (forward/closed/open Loop Control)   </a:t>
+            </a:r>
+          </a:p>
+          <a:p>
+            <a:r>
+              <a:rPr lang="en-US" altLang="zh-CN" sz="900" dirty="0"/>
+              <a:t>-Power Electronics (Regulator, Convertor)	- Electrical Machine		</a:t>
+            </a:r>
+          </a:p>
+        </p:txBody>
+      </p:sp>
+      <p:sp>
+        <p:nvSpPr>
+          <p:cNvPr id="20" name="文本框 2">
+            <a:extLst>
+              <a:ext uri="{FF2B5EF4-FFF2-40B4-BE49-F238E27FC236}">
+                <a16:creationId xmlns:a16="http://schemas.microsoft.com/office/drawing/2014/main" id="{36D32815-3FA1-452B-A15D-0B4411CDEFC3}"/>
+              </a:ext>
+            </a:extLst>
+          </p:cNvPr>
+          <p:cNvSpPr txBox="1"/>
+          <p:nvPr/>
+        </p:nvSpPr>
+        <p:spPr>
+          <a:xfrm>
+            <a:off x="487883" y="4669160"/>
+            <a:ext cx="5039707" cy="369332"/>
+          </a:xfrm>
+          <a:prstGeom prst="rect">
+            <a:avLst/>
+          </a:prstGeom>
+          <a:noFill/>
+        </p:spPr>
+        <p:txBody>
+          <a:bodyPr wrap="square">
+            <a:spAutoFit/>
+          </a:bodyPr>
+          <a:lstStyle>
+            <a:defPPr>
+              <a:defRPr lang="zh-CN"/>
+            </a:defPPr>
+            <a:lvl1pPr marL="0" algn="l" defTabSz="914400" rtl="0" eaLnBrk="1" latinLnBrk="0" hangingPunct="1">
+              <a:defRPr sz="1800" kern="1200">
+                <a:solidFill>
+                  <a:schemeClr val="tx1"/>
+                </a:solidFill>
+                <a:latin typeface="+mn-lt"/>
+                <a:ea typeface="+mn-ea"/>
+                <a:cs typeface="+mn-cs"/>
+              </a:defRPr>
+            </a:lvl1pPr>
+            <a:lvl2pPr marL="457200" algn="l" defTabSz="914400" rtl="0" eaLnBrk="1" latinLnBrk="0" hangingPunct="1">
+              <a:defRPr sz="1800" kern="1200">
+                <a:solidFill>
+                  <a:schemeClr val="tx1"/>
+                </a:solidFill>
+                <a:latin typeface="+mn-lt"/>
+                <a:ea typeface="+mn-ea"/>
+                <a:cs typeface="+mn-cs"/>
+              </a:defRPr>
+            </a:lvl2pPr>
+            <a:lvl3pPr marL="914400" algn="l" defTabSz="914400" rtl="0" eaLnBrk="1" latinLnBrk="0" hangingPunct="1">
+              <a:defRPr sz="1800" kern="1200">
+                <a:solidFill>
+                  <a:schemeClr val="tx1"/>
+                </a:solidFill>
+                <a:latin typeface="+mn-lt"/>
+                <a:ea typeface="+mn-ea"/>
+                <a:cs typeface="+mn-cs"/>
+              </a:defRPr>
+            </a:lvl3pPr>
+            <a:lvl4pPr marL="1371600" algn="l" defTabSz="914400" rtl="0" eaLnBrk="1" latinLnBrk="0" hangingPunct="1">
+              <a:defRPr sz="1800" kern="1200">
+                <a:solidFill>
+                  <a:schemeClr val="tx1"/>
+                </a:solidFill>
+                <a:latin typeface="+mn-lt"/>
+                <a:ea typeface="+mn-ea"/>
+                <a:cs typeface="+mn-cs"/>
+              </a:defRPr>
+            </a:lvl4pPr>
+            <a:lvl5pPr marL="1828800" algn="l" defTabSz="914400" rtl="0" eaLnBrk="1" latinLnBrk="0" hangingPunct="1">
+              <a:defRPr sz="1800" kern="1200">
+                <a:solidFill>
+                  <a:schemeClr val="tx1"/>
+                </a:solidFill>
+                <a:latin typeface="+mn-lt"/>
+                <a:ea typeface="+mn-ea"/>
+                <a:cs typeface="+mn-cs"/>
+              </a:defRPr>
+            </a:lvl5pPr>
+            <a:lvl6pPr marL="2286000" algn="l" defTabSz="914400" rtl="0" eaLnBrk="1" latinLnBrk="0" hangingPunct="1">
+              <a:defRPr sz="1800" kern="1200">
+                <a:solidFill>
+                  <a:schemeClr val="tx1"/>
+                </a:solidFill>
+                <a:latin typeface="+mn-lt"/>
+                <a:ea typeface="+mn-ea"/>
+                <a:cs typeface="+mn-cs"/>
+              </a:defRPr>
+            </a:lvl6pPr>
+            <a:lvl7pPr marL="2743200" algn="l" defTabSz="914400" rtl="0" eaLnBrk="1" latinLnBrk="0" hangingPunct="1">
+              <a:defRPr sz="1800" kern="1200">
+                <a:solidFill>
+                  <a:schemeClr val="tx1"/>
+                </a:solidFill>
+                <a:latin typeface="+mn-lt"/>
+                <a:ea typeface="+mn-ea"/>
+                <a:cs typeface="+mn-cs"/>
+              </a:defRPr>
+            </a:lvl7pPr>
+            <a:lvl8pPr marL="3200400" algn="l" defTabSz="914400" rtl="0" eaLnBrk="1" latinLnBrk="0" hangingPunct="1">
+              <a:defRPr sz="1800" kern="1200">
+                <a:solidFill>
+                  <a:schemeClr val="tx1"/>
+                </a:solidFill>
+                <a:latin typeface="+mn-lt"/>
+                <a:ea typeface="+mn-ea"/>
+                <a:cs typeface="+mn-cs"/>
+              </a:defRPr>
+            </a:lvl8pPr>
+            <a:lvl9pPr marL="3657600" algn="l" defTabSz="914400" rtl="0" eaLnBrk="1" latinLnBrk="0" hangingPunct="1">
+              <a:defRPr sz="1800" kern="1200">
+                <a:solidFill>
+                  <a:schemeClr val="tx1"/>
+                </a:solidFill>
+                <a:latin typeface="+mn-lt"/>
+                <a:ea typeface="+mn-ea"/>
+                <a:cs typeface="+mn-cs"/>
+              </a:defRPr>
+            </a:lvl9pPr>
+          </a:lstStyle>
+          <a:p>
+            <a:r>
+              <a:rPr lang="en-US" altLang="zh-CN" sz="900" b="1" dirty="0"/>
+              <a:t>Electronic Engineering</a:t>
+            </a:r>
+          </a:p>
+          <a:p>
+            <a:r>
+              <a:rPr lang="en-US" altLang="zh-CN" sz="900" b="1" dirty="0"/>
+              <a:t>- </a:t>
+            </a:r>
+            <a:r>
+              <a:rPr lang="en-US" altLang="zh-CN" sz="900" dirty="0"/>
+              <a:t>Raspberry Pi   	-Arduino  	-FPGA (High-Level-Synthesis)		</a:t>
+            </a:r>
+          </a:p>
+        </p:txBody>
+      </p:sp>
+      <p:sp>
+        <p:nvSpPr>
+          <p:cNvPr id="22" name="文本框 2">
+            <a:extLst>
+              <a:ext uri="{FF2B5EF4-FFF2-40B4-BE49-F238E27FC236}">
+                <a16:creationId xmlns:a16="http://schemas.microsoft.com/office/drawing/2014/main" id="{36D32815-3FA1-452B-A15D-0B4411CDEFC3}"/>
+              </a:ext>
+            </a:extLst>
+          </p:cNvPr>
+          <p:cNvSpPr txBox="1"/>
+          <p:nvPr/>
+        </p:nvSpPr>
+        <p:spPr>
+          <a:xfrm>
+            <a:off x="501615" y="4974610"/>
+            <a:ext cx="6480929" cy="507831"/>
+          </a:xfrm>
+          <a:prstGeom prst="rect">
+            <a:avLst/>
+          </a:prstGeom>
+          <a:noFill/>
+        </p:spPr>
+        <p:txBody>
+          <a:bodyPr wrap="square">
+            <a:spAutoFit/>
+          </a:bodyPr>
+          <a:lstStyle>
+            <a:defPPr>
+              <a:defRPr lang="zh-CN"/>
+            </a:defPPr>
+            <a:lvl1pPr marL="0" algn="l" defTabSz="914400" rtl="0" eaLnBrk="1" latinLnBrk="0" hangingPunct="1">
+              <a:defRPr sz="1800" kern="1200">
+                <a:solidFill>
+                  <a:schemeClr val="tx1"/>
+                </a:solidFill>
+                <a:latin typeface="+mn-lt"/>
+                <a:ea typeface="+mn-ea"/>
+                <a:cs typeface="+mn-cs"/>
+              </a:defRPr>
+            </a:lvl1pPr>
+            <a:lvl2pPr marL="457200" algn="l" defTabSz="914400" rtl="0" eaLnBrk="1" latinLnBrk="0" hangingPunct="1">
+              <a:defRPr sz="1800" kern="1200">
+                <a:solidFill>
+                  <a:schemeClr val="tx1"/>
+                </a:solidFill>
+                <a:latin typeface="+mn-lt"/>
+                <a:ea typeface="+mn-ea"/>
+                <a:cs typeface="+mn-cs"/>
+              </a:defRPr>
+            </a:lvl2pPr>
+            <a:lvl3pPr marL="914400" algn="l" defTabSz="914400" rtl="0" eaLnBrk="1" latinLnBrk="0" hangingPunct="1">
+              <a:defRPr sz="1800" kern="1200">
+                <a:solidFill>
+                  <a:schemeClr val="tx1"/>
+                </a:solidFill>
+                <a:latin typeface="+mn-lt"/>
+                <a:ea typeface="+mn-ea"/>
+                <a:cs typeface="+mn-cs"/>
+              </a:defRPr>
+            </a:lvl3pPr>
+            <a:lvl4pPr marL="1371600" algn="l" defTabSz="914400" rtl="0" eaLnBrk="1" latinLnBrk="0" hangingPunct="1">
+              <a:defRPr sz="1800" kern="1200">
+                <a:solidFill>
+                  <a:schemeClr val="tx1"/>
+                </a:solidFill>
+                <a:latin typeface="+mn-lt"/>
+                <a:ea typeface="+mn-ea"/>
+                <a:cs typeface="+mn-cs"/>
+              </a:defRPr>
+            </a:lvl4pPr>
+            <a:lvl5pPr marL="1828800" algn="l" defTabSz="914400" rtl="0" eaLnBrk="1" latinLnBrk="0" hangingPunct="1">
+              <a:defRPr sz="1800" kern="1200">
+                <a:solidFill>
+                  <a:schemeClr val="tx1"/>
+                </a:solidFill>
+                <a:latin typeface="+mn-lt"/>
+                <a:ea typeface="+mn-ea"/>
+                <a:cs typeface="+mn-cs"/>
+              </a:defRPr>
+            </a:lvl5pPr>
+            <a:lvl6pPr marL="2286000" algn="l" defTabSz="914400" rtl="0" eaLnBrk="1" latinLnBrk="0" hangingPunct="1">
+              <a:defRPr sz="1800" kern="1200">
+                <a:solidFill>
+                  <a:schemeClr val="tx1"/>
+                </a:solidFill>
+                <a:latin typeface="+mn-lt"/>
+                <a:ea typeface="+mn-ea"/>
+                <a:cs typeface="+mn-cs"/>
+              </a:defRPr>
+            </a:lvl6pPr>
+            <a:lvl7pPr marL="2743200" algn="l" defTabSz="914400" rtl="0" eaLnBrk="1" latinLnBrk="0" hangingPunct="1">
+              <a:defRPr sz="1800" kern="1200">
+                <a:solidFill>
+                  <a:schemeClr val="tx1"/>
+                </a:solidFill>
+                <a:latin typeface="+mn-lt"/>
+                <a:ea typeface="+mn-ea"/>
+                <a:cs typeface="+mn-cs"/>
+              </a:defRPr>
+            </a:lvl7pPr>
+            <a:lvl8pPr marL="3200400" algn="l" defTabSz="914400" rtl="0" eaLnBrk="1" latinLnBrk="0" hangingPunct="1">
+              <a:defRPr sz="1800" kern="1200">
+                <a:solidFill>
+                  <a:schemeClr val="tx1"/>
+                </a:solidFill>
+                <a:latin typeface="+mn-lt"/>
+                <a:ea typeface="+mn-ea"/>
+                <a:cs typeface="+mn-cs"/>
+              </a:defRPr>
+            </a:lvl8pPr>
+            <a:lvl9pPr marL="3657600" algn="l" defTabSz="914400" rtl="0" eaLnBrk="1" latinLnBrk="0" hangingPunct="1">
+              <a:defRPr sz="1800" kern="1200">
+                <a:solidFill>
+                  <a:schemeClr val="tx1"/>
+                </a:solidFill>
+                <a:latin typeface="+mn-lt"/>
+                <a:ea typeface="+mn-ea"/>
+                <a:cs typeface="+mn-cs"/>
+              </a:defRPr>
+            </a:lvl9pPr>
+          </a:lstStyle>
+          <a:p>
+            <a:r>
+              <a:rPr lang="en-US" altLang="zh-CN" sz="900" b="1" dirty="0"/>
+              <a:t>Computer Engineering</a:t>
+            </a:r>
+          </a:p>
+          <a:p>
+            <a:r>
+              <a:rPr lang="en-US" altLang="zh-CN" sz="900" dirty="0"/>
+              <a:t>- Python Programming (</a:t>
+            </a:r>
+            <a:r>
+              <a:rPr lang="en-US" altLang="zh-CN" sz="900" dirty="0" err="1"/>
+              <a:t>Scipy</a:t>
+            </a:r>
+            <a:r>
+              <a:rPr lang="en-US" altLang="zh-CN" sz="900" dirty="0"/>
+              <a:t>, </a:t>
+            </a:r>
+            <a:r>
+              <a:rPr lang="en-US" altLang="zh-CN" sz="900" dirty="0" err="1"/>
+              <a:t>Numpy</a:t>
+            </a:r>
+            <a:r>
+              <a:rPr lang="en-US" altLang="zh-CN" sz="900" dirty="0"/>
+              <a:t>, </a:t>
+            </a:r>
+            <a:r>
+              <a:rPr lang="en-US" altLang="zh-CN" sz="900" dirty="0" err="1"/>
+              <a:t>Pytorch</a:t>
+            </a:r>
+            <a:r>
+              <a:rPr lang="en-US" altLang="zh-CN" sz="900" dirty="0"/>
+              <a:t>)   	-C/C++ (</a:t>
+            </a:r>
+            <a:r>
+              <a:rPr lang="en-US" altLang="zh-CN" sz="900" dirty="0" err="1"/>
+              <a:t>Vivado</a:t>
+            </a:r>
+            <a:r>
+              <a:rPr lang="en-US" altLang="zh-CN" sz="900" dirty="0"/>
+              <a:t> HLS, OpenCV image processing )			</a:t>
+            </a:r>
           </a:p>
         </p:txBody>
       </p:sp>
